--- a/Session5_Ta/Practical5.pptx
+++ b/Session5_Ta/Practical5.pptx
@@ -110,6 +110,11 @@
       </a:defRPr>
     </a:lvl9pPr>
   </p:defaultTextStyle>
+  <p:extLst>
+    <p:ext uri="{EFAFB233-063F-42B5-8137-9DF3F51BA10A}">
+      <p15:sldGuideLst xmlns:p15="http://schemas.microsoft.com/office/powerpoint/2012/main"/>
+    </p:ext>
+  </p:extLst>
 </p:presentation>
 </file>
 
@@ -195,7 +200,7 @@
           <a:p>
             <a:fld id="{FBA90841-085E-4DEE-8EEB-7DD3E6F80FFA}" type="datetimeFigureOut">
               <a:rPr lang="en-US" smtClean="0"/>
-              <a:t>1/19/2024</a:t>
+              <a:t>2/5/2024</a:t>
             </a:fld>
             <a:endParaRPr lang="en-US"/>
           </a:p>
@@ -948,7 +953,7 @@
           <a:p>
             <a:fld id="{9E833347-D31A-409B-83DC-AE319B5E0D59}" type="datetimeFigureOut">
               <a:rPr lang="en-US" smtClean="0"/>
-              <a:t>1/19/2024</a:t>
+              <a:t>2/5/2024</a:t>
             </a:fld>
             <a:endParaRPr lang="en-US"/>
           </a:p>
@@ -1146,7 +1151,7 @@
           <a:p>
             <a:fld id="{9E833347-D31A-409B-83DC-AE319B5E0D59}" type="datetimeFigureOut">
               <a:rPr lang="en-US" smtClean="0"/>
-              <a:t>1/19/2024</a:t>
+              <a:t>2/5/2024</a:t>
             </a:fld>
             <a:endParaRPr lang="en-US"/>
           </a:p>
@@ -1354,7 +1359,7 @@
           <a:p>
             <a:fld id="{9E833347-D31A-409B-83DC-AE319B5E0D59}" type="datetimeFigureOut">
               <a:rPr lang="en-US" smtClean="0"/>
-              <a:t>1/19/2024</a:t>
+              <a:t>2/5/2024</a:t>
             </a:fld>
             <a:endParaRPr lang="en-US"/>
           </a:p>
@@ -1552,7 +1557,7 @@
           <a:p>
             <a:fld id="{9E833347-D31A-409B-83DC-AE319B5E0D59}" type="datetimeFigureOut">
               <a:rPr lang="en-US" smtClean="0"/>
-              <a:t>1/19/2024</a:t>
+              <a:t>2/5/2024</a:t>
             </a:fld>
             <a:endParaRPr lang="en-US"/>
           </a:p>
@@ -1827,7 +1832,7 @@
           <a:p>
             <a:fld id="{9E833347-D31A-409B-83DC-AE319B5E0D59}" type="datetimeFigureOut">
               <a:rPr lang="en-US" smtClean="0"/>
-              <a:t>1/19/2024</a:t>
+              <a:t>2/5/2024</a:t>
             </a:fld>
             <a:endParaRPr lang="en-US"/>
           </a:p>
@@ -2092,7 +2097,7 @@
           <a:p>
             <a:fld id="{9E833347-D31A-409B-83DC-AE319B5E0D59}" type="datetimeFigureOut">
               <a:rPr lang="en-US" smtClean="0"/>
-              <a:t>1/19/2024</a:t>
+              <a:t>2/5/2024</a:t>
             </a:fld>
             <a:endParaRPr lang="en-US"/>
           </a:p>
@@ -2504,7 +2509,7 @@
           <a:p>
             <a:fld id="{9E833347-D31A-409B-83DC-AE319B5E0D59}" type="datetimeFigureOut">
               <a:rPr lang="en-US" smtClean="0"/>
-              <a:t>1/19/2024</a:t>
+              <a:t>2/5/2024</a:t>
             </a:fld>
             <a:endParaRPr lang="en-US"/>
           </a:p>
@@ -2645,7 +2650,7 @@
           <a:p>
             <a:fld id="{9E833347-D31A-409B-83DC-AE319B5E0D59}" type="datetimeFigureOut">
               <a:rPr lang="en-US" smtClean="0"/>
-              <a:t>1/19/2024</a:t>
+              <a:t>2/5/2024</a:t>
             </a:fld>
             <a:endParaRPr lang="en-US"/>
           </a:p>
@@ -2758,7 +2763,7 @@
           <a:p>
             <a:fld id="{9E833347-D31A-409B-83DC-AE319B5E0D59}" type="datetimeFigureOut">
               <a:rPr lang="en-US" smtClean="0"/>
-              <a:t>1/19/2024</a:t>
+              <a:t>2/5/2024</a:t>
             </a:fld>
             <a:endParaRPr lang="en-US"/>
           </a:p>
@@ -3069,7 +3074,7 @@
           <a:p>
             <a:fld id="{9E833347-D31A-409B-83DC-AE319B5E0D59}" type="datetimeFigureOut">
               <a:rPr lang="en-US" smtClean="0"/>
-              <a:t>1/19/2024</a:t>
+              <a:t>2/5/2024</a:t>
             </a:fld>
             <a:endParaRPr lang="en-US"/>
           </a:p>
@@ -3357,7 +3362,7 @@
           <a:p>
             <a:fld id="{9E833347-D31A-409B-83DC-AE319B5E0D59}" type="datetimeFigureOut">
               <a:rPr lang="en-US" smtClean="0"/>
-              <a:t>1/19/2024</a:t>
+              <a:t>2/5/2024</a:t>
             </a:fld>
             <a:endParaRPr lang="en-US"/>
           </a:p>
@@ -3598,7 +3603,7 @@
           <a:p>
             <a:fld id="{9E833347-D31A-409B-83DC-AE319B5E0D59}" type="datetimeFigureOut">
               <a:rPr lang="en-US" smtClean="0"/>
-              <a:t>1/19/2024</a:t>
+              <a:t>2/5/2024</a:t>
             </a:fld>
             <a:endParaRPr lang="en-US"/>
           </a:p>

--- a/Session5_Ta/Practical5.pptx
+++ b/Session5_Ta/Practical5.pptx
@@ -681,8 +681,13 @@
           <a:p>
             <a:r>
               <a:rPr lang="en-US" dirty="0"/>
-              <a:t>We have to Control the temperature!</a:t>
-            </a:r>
+              <a:t>We have to Control the temperature! To control the temperature, we need another configuration that called </a:t>
+            </a:r>
+            <a:r>
+              <a:rPr lang="en-US"/>
+              <a:t>“Semi-Batch”.</a:t>
+            </a:r>
+            <a:endParaRPr lang="en-US" dirty="0"/>
           </a:p>
         </p:txBody>
       </p:sp>

--- a/Session5_Ta/Practical5.pptx
+++ b/Session5_Ta/Practical5.pptx
@@ -5,13 +5,14 @@
     <p:sldMasterId id="2147483648" r:id="rId1"/>
   </p:sldMasterIdLst>
   <p:notesMasterIdLst>
-    <p:notesMasterId r:id="rId6"/>
+    <p:notesMasterId r:id="rId7"/>
   </p:notesMasterIdLst>
   <p:sldIdLst>
     <p:sldId id="257" r:id="rId2"/>
     <p:sldId id="258" r:id="rId3"/>
     <p:sldId id="259" r:id="rId4"/>
     <p:sldId id="260" r:id="rId5"/>
+    <p:sldId id="261" r:id="rId6"/>
   </p:sldIdLst>
   <p:sldSz cx="12192000" cy="6858000"/>
   <p:notesSz cx="6858000" cy="9144000"/>
@@ -200,7 +201,7 @@
           <a:p>
             <a:fld id="{FBA90841-085E-4DEE-8EEB-7DD3E6F80FFA}" type="datetimeFigureOut">
               <a:rPr lang="en-US" smtClean="0"/>
-              <a:t>2/5/2024</a:t>
+              <a:t>2/6/2024</a:t>
             </a:fld>
             <a:endParaRPr lang="en-US"/>
           </a:p>
@@ -811,6 +812,114 @@
 </p:notes>
 </file>
 
+<file path=ppt/notesSlides/notesSlide5.xml><?xml version="1.0" encoding="utf-8"?>
+<p:notes xmlns:a="http://schemas.openxmlformats.org/drawingml/2006/main" xmlns:r="http://schemas.openxmlformats.org/officeDocument/2006/relationships" xmlns:p="http://schemas.openxmlformats.org/presentationml/2006/main">
+  <p:cSld>
+    <p:spTree>
+      <p:nvGrpSpPr>
+        <p:cNvPr id="1" name="">
+          <a:extLst>
+            <a:ext uri="{FF2B5EF4-FFF2-40B4-BE49-F238E27FC236}">
+              <a16:creationId xmlns:a16="http://schemas.microsoft.com/office/drawing/2014/main" id="{A5E1AB18-81C2-E46B-F493-BD1182565361}"/>
+            </a:ext>
+          </a:extLst>
+        </p:cNvPr>
+        <p:cNvGrpSpPr/>
+        <p:nvPr/>
+      </p:nvGrpSpPr>
+      <p:grpSpPr>
+        <a:xfrm>
+          <a:off x="0" y="0"/>
+          <a:ext cx="0" cy="0"/>
+          <a:chOff x="0" y="0"/>
+          <a:chExt cx="0" cy="0"/>
+        </a:xfrm>
+      </p:grpSpPr>
+      <p:sp>
+        <p:nvSpPr>
+          <p:cNvPr id="2" name="Slide Image Placeholder 1">
+            <a:extLst>
+              <a:ext uri="{FF2B5EF4-FFF2-40B4-BE49-F238E27FC236}">
+                <a16:creationId xmlns:a16="http://schemas.microsoft.com/office/drawing/2014/main" id="{7FA046B9-A8E5-C646-3036-C70AB96C89C4}"/>
+              </a:ext>
+            </a:extLst>
+          </p:cNvPr>
+          <p:cNvSpPr>
+            <a:spLocks noGrp="1" noRot="1" noChangeAspect="1"/>
+          </p:cNvSpPr>
+          <p:nvPr>
+            <p:ph type="sldImg"/>
+          </p:nvPr>
+        </p:nvSpPr>
+        <p:spPr/>
+      </p:sp>
+      <p:sp>
+        <p:nvSpPr>
+          <p:cNvPr id="3" name="Notes Placeholder 2">
+            <a:extLst>
+              <a:ext uri="{FF2B5EF4-FFF2-40B4-BE49-F238E27FC236}">
+                <a16:creationId xmlns:a16="http://schemas.microsoft.com/office/drawing/2014/main" id="{100D1381-B069-AE72-F316-C6D54CDC7D59}"/>
+              </a:ext>
+            </a:extLst>
+          </p:cNvPr>
+          <p:cNvSpPr>
+            <a:spLocks noGrp="1"/>
+          </p:cNvSpPr>
+          <p:nvPr>
+            <p:ph type="body" idx="1"/>
+          </p:nvPr>
+        </p:nvSpPr>
+        <p:spPr/>
+        <p:txBody>
+          <a:bodyPr/>
+          <a:lstStyle/>
+          <a:p>
+            <a:endParaRPr lang="en-US" dirty="0"/>
+          </a:p>
+        </p:txBody>
+      </p:sp>
+      <p:sp>
+        <p:nvSpPr>
+          <p:cNvPr id="4" name="Slide Number Placeholder 3">
+            <a:extLst>
+              <a:ext uri="{FF2B5EF4-FFF2-40B4-BE49-F238E27FC236}">
+                <a16:creationId xmlns:a16="http://schemas.microsoft.com/office/drawing/2014/main" id="{AD920FCC-E632-2752-2632-F4C0BFD02C57}"/>
+              </a:ext>
+            </a:extLst>
+          </p:cNvPr>
+          <p:cNvSpPr>
+            <a:spLocks noGrp="1"/>
+          </p:cNvSpPr>
+          <p:nvPr>
+            <p:ph type="sldNum" sz="quarter" idx="5"/>
+          </p:nvPr>
+        </p:nvSpPr>
+        <p:spPr/>
+        <p:txBody>
+          <a:bodyPr/>
+          <a:lstStyle/>
+          <a:p>
+            <a:fld id="{35F5C87D-96F0-4E2D-A921-3F912625E7F8}" type="slidenum">
+              <a:rPr lang="en-US" smtClean="0"/>
+              <a:t>5</a:t>
+            </a:fld>
+            <a:endParaRPr lang="en-US"/>
+          </a:p>
+        </p:txBody>
+      </p:sp>
+    </p:spTree>
+    <p:extLst>
+      <p:ext uri="{BB962C8B-B14F-4D97-AF65-F5344CB8AC3E}">
+        <p14:creationId xmlns:p14="http://schemas.microsoft.com/office/powerpoint/2010/main" val="3144386234"/>
+      </p:ext>
+    </p:extLst>
+  </p:cSld>
+  <p:clrMapOvr>
+    <a:masterClrMapping/>
+  </p:clrMapOvr>
+</p:notes>
+</file>
+
 <file path=ppt/slideLayouts/slideLayout1.xml><?xml version="1.0" encoding="utf-8"?>
 <p:sldLayout xmlns:a="http://schemas.openxmlformats.org/drawingml/2006/main" xmlns:r="http://schemas.openxmlformats.org/officeDocument/2006/relationships" xmlns:p="http://schemas.openxmlformats.org/presentationml/2006/main" type="title" preserve="1">
   <p:cSld name="Title Slide">
@@ -958,7 +1067,7 @@
           <a:p>
             <a:fld id="{9E833347-D31A-409B-83DC-AE319B5E0D59}" type="datetimeFigureOut">
               <a:rPr lang="en-US" smtClean="0"/>
-              <a:t>2/5/2024</a:t>
+              <a:t>2/6/2024</a:t>
             </a:fld>
             <a:endParaRPr lang="en-US"/>
           </a:p>
@@ -1156,7 +1265,7 @@
           <a:p>
             <a:fld id="{9E833347-D31A-409B-83DC-AE319B5E0D59}" type="datetimeFigureOut">
               <a:rPr lang="en-US" smtClean="0"/>
-              <a:t>2/5/2024</a:t>
+              <a:t>2/6/2024</a:t>
             </a:fld>
             <a:endParaRPr lang="en-US"/>
           </a:p>
@@ -1364,7 +1473,7 @@
           <a:p>
             <a:fld id="{9E833347-D31A-409B-83DC-AE319B5E0D59}" type="datetimeFigureOut">
               <a:rPr lang="en-US" smtClean="0"/>
-              <a:t>2/5/2024</a:t>
+              <a:t>2/6/2024</a:t>
             </a:fld>
             <a:endParaRPr lang="en-US"/>
           </a:p>
@@ -1562,7 +1671,7 @@
           <a:p>
             <a:fld id="{9E833347-D31A-409B-83DC-AE319B5E0D59}" type="datetimeFigureOut">
               <a:rPr lang="en-US" smtClean="0"/>
-              <a:t>2/5/2024</a:t>
+              <a:t>2/6/2024</a:t>
             </a:fld>
             <a:endParaRPr lang="en-US"/>
           </a:p>
@@ -1837,7 +1946,7 @@
           <a:p>
             <a:fld id="{9E833347-D31A-409B-83DC-AE319B5E0D59}" type="datetimeFigureOut">
               <a:rPr lang="en-US" smtClean="0"/>
-              <a:t>2/5/2024</a:t>
+              <a:t>2/6/2024</a:t>
             </a:fld>
             <a:endParaRPr lang="en-US"/>
           </a:p>
@@ -2102,7 +2211,7 @@
           <a:p>
             <a:fld id="{9E833347-D31A-409B-83DC-AE319B5E0D59}" type="datetimeFigureOut">
               <a:rPr lang="en-US" smtClean="0"/>
-              <a:t>2/5/2024</a:t>
+              <a:t>2/6/2024</a:t>
             </a:fld>
             <a:endParaRPr lang="en-US"/>
           </a:p>
@@ -2514,7 +2623,7 @@
           <a:p>
             <a:fld id="{9E833347-D31A-409B-83DC-AE319B5E0D59}" type="datetimeFigureOut">
               <a:rPr lang="en-US" smtClean="0"/>
-              <a:t>2/5/2024</a:t>
+              <a:t>2/6/2024</a:t>
             </a:fld>
             <a:endParaRPr lang="en-US"/>
           </a:p>
@@ -2655,7 +2764,7 @@
           <a:p>
             <a:fld id="{9E833347-D31A-409B-83DC-AE319B5E0D59}" type="datetimeFigureOut">
               <a:rPr lang="en-US" smtClean="0"/>
-              <a:t>2/5/2024</a:t>
+              <a:t>2/6/2024</a:t>
             </a:fld>
             <a:endParaRPr lang="en-US"/>
           </a:p>
@@ -2768,7 +2877,7 @@
           <a:p>
             <a:fld id="{9E833347-D31A-409B-83DC-AE319B5E0D59}" type="datetimeFigureOut">
               <a:rPr lang="en-US" smtClean="0"/>
-              <a:t>2/5/2024</a:t>
+              <a:t>2/6/2024</a:t>
             </a:fld>
             <a:endParaRPr lang="en-US"/>
           </a:p>
@@ -3079,7 +3188,7 @@
           <a:p>
             <a:fld id="{9E833347-D31A-409B-83DC-AE319B5E0D59}" type="datetimeFigureOut">
               <a:rPr lang="en-US" smtClean="0"/>
-              <a:t>2/5/2024</a:t>
+              <a:t>2/6/2024</a:t>
             </a:fld>
             <a:endParaRPr lang="en-US"/>
           </a:p>
@@ -3367,7 +3476,7 @@
           <a:p>
             <a:fld id="{9E833347-D31A-409B-83DC-AE319B5E0D59}" type="datetimeFigureOut">
               <a:rPr lang="en-US" smtClean="0"/>
-              <a:t>2/5/2024</a:t>
+              <a:t>2/6/2024</a:t>
             </a:fld>
             <a:endParaRPr lang="en-US"/>
           </a:p>
@@ -3608,7 +3717,7 @@
           <a:p>
             <a:fld id="{9E833347-D31A-409B-83DC-AE319B5E0D59}" type="datetimeFigureOut">
               <a:rPr lang="en-US" smtClean="0"/>
-              <a:t>2/5/2024</a:t>
+              <a:t>2/6/2024</a:t>
             </a:fld>
             <a:endParaRPr lang="en-US"/>
           </a:p>
@@ -6878,6 +6987,833 @@
     <p:extLst>
       <p:ext uri="{BB962C8B-B14F-4D97-AF65-F5344CB8AC3E}">
         <p14:creationId xmlns:p14="http://schemas.microsoft.com/office/powerpoint/2010/main" val="1354020237"/>
+      </p:ext>
+    </p:extLst>
+  </p:cSld>
+  <p:clrMapOvr>
+    <a:masterClrMapping/>
+  </p:clrMapOvr>
+</p:sld>
+</file>
+
+<file path=ppt/slides/slide5.xml><?xml version="1.0" encoding="utf-8"?>
+<p:sld xmlns:a="http://schemas.openxmlformats.org/drawingml/2006/main" xmlns:r="http://schemas.openxmlformats.org/officeDocument/2006/relationships" xmlns:p="http://schemas.openxmlformats.org/presentationml/2006/main">
+  <p:cSld>
+    <p:bg>
+      <p:bgPr>
+        <a:solidFill>
+          <a:schemeClr val="bg1"/>
+        </a:solidFill>
+        <a:effectLst/>
+      </p:bgPr>
+    </p:bg>
+    <p:spTree>
+      <p:nvGrpSpPr>
+        <p:cNvPr id="1" name="">
+          <a:extLst>
+            <a:ext uri="{FF2B5EF4-FFF2-40B4-BE49-F238E27FC236}">
+              <a16:creationId xmlns:a16="http://schemas.microsoft.com/office/drawing/2014/main" id="{7AE04B4E-0B7B-6934-9A66-C58BB90F412C}"/>
+            </a:ext>
+          </a:extLst>
+        </p:cNvPr>
+        <p:cNvGrpSpPr/>
+        <p:nvPr/>
+      </p:nvGrpSpPr>
+      <p:grpSpPr>
+        <a:xfrm>
+          <a:off x="0" y="0"/>
+          <a:ext cx="0" cy="0"/>
+          <a:chOff x="0" y="0"/>
+          <a:chExt cx="0" cy="0"/>
+        </a:xfrm>
+      </p:grpSpPr>
+      <p:sp useBgFill="1">
+        <p:nvSpPr>
+          <p:cNvPr id="17" name="Rectangle 16">
+            <a:extLst>
+              <a:ext uri="{FF2B5EF4-FFF2-40B4-BE49-F238E27FC236}">
+                <a16:creationId xmlns:a16="http://schemas.microsoft.com/office/drawing/2014/main" id="{50C1678D-5BC7-0C21-00C0-6200AC37AAE0}"/>
+              </a:ext>
+              <a:ext uri="{C183D7F6-B498-43B3-948B-1728B52AA6E4}">
+                <adec:decorative xmlns:adec="http://schemas.microsoft.com/office/drawing/2017/decorative" val="1"/>
+              </a:ext>
+            </a:extLst>
+          </p:cNvPr>
+          <p:cNvSpPr>
+            <a:spLocks noGrp="1" noRot="1" noChangeAspect="1" noMove="1" noResize="1" noEditPoints="1" noAdjustHandles="1" noChangeArrowheads="1" noChangeShapeType="1" noTextEdit="1"/>
+          </p:cNvSpPr>
+          <p:nvPr>
+            <p:extLst>
+              <p:ext uri="{386F3935-93C4-4BCD-93E2-E3B085C9AB24}">
+                <p16:designElem xmlns:p16="http://schemas.microsoft.com/office/powerpoint/2015/main" val="1"/>
+              </p:ext>
+            </p:extLst>
+          </p:nvPr>
+        </p:nvSpPr>
+        <p:spPr>
+          <a:xfrm>
+            <a:off x="0" y="0"/>
+            <a:ext cx="12192000" cy="6858000"/>
+          </a:xfrm>
+          <a:prstGeom prst="rect">
+            <a:avLst/>
+          </a:prstGeom>
+          <a:ln w="12700" cap="flat" cmpd="sng" algn="ctr">
+            <a:noFill/>
+            <a:prstDash val="solid"/>
+            <a:miter lim="800000"/>
+          </a:ln>
+          <a:effectLst/>
+          <a:extLst>
+            <a:ext uri="{91240B29-F687-4F45-9708-019B960494DF}">
+              <a14:hiddenLine xmlns:a14="http://schemas.microsoft.com/office/drawing/2010/main" w="12700" cap="flat" cmpd="sng" algn="ctr">
+                <a:solidFill>
+                  <a:schemeClr val="accent1">
+                    <a:shade val="50000"/>
+                  </a:schemeClr>
+                </a:solidFill>
+                <a:prstDash val="solid"/>
+                <a:miter lim="800000"/>
+              </a14:hiddenLine>
+            </a:ext>
+          </a:extLst>
+        </p:spPr>
+        <p:style>
+          <a:lnRef idx="2">
+            <a:schemeClr val="accent1">
+              <a:shade val="50000"/>
+            </a:schemeClr>
+          </a:lnRef>
+          <a:fillRef idx="1">
+            <a:schemeClr val="accent1"/>
+          </a:fillRef>
+          <a:effectRef idx="0">
+            <a:schemeClr val="accent1"/>
+          </a:effectRef>
+          <a:fontRef idx="minor">
+            <a:schemeClr val="lt1"/>
+          </a:fontRef>
+        </p:style>
+        <p:txBody>
+          <a:bodyPr rtlCol="0" anchor="ctr"/>
+          <a:lstStyle/>
+          <a:p>
+            <a:pPr algn="ctr"/>
+            <a:endParaRPr lang="en-US" sz="2000"/>
+          </a:p>
+        </p:txBody>
+      </p:sp>
+      <p:sp>
+        <p:nvSpPr>
+          <p:cNvPr id="16" name="Rectangle 15">
+            <a:extLst>
+              <a:ext uri="{FF2B5EF4-FFF2-40B4-BE49-F238E27FC236}">
+                <a16:creationId xmlns:a16="http://schemas.microsoft.com/office/drawing/2014/main" id="{BB25DAC8-2579-2E12-F496-793DCBF9AE0C}"/>
+              </a:ext>
+              <a:ext uri="{C183D7F6-B498-43B3-948B-1728B52AA6E4}">
+                <adec:decorative xmlns:adec="http://schemas.microsoft.com/office/drawing/2017/decorative" val="1"/>
+              </a:ext>
+            </a:extLst>
+          </p:cNvPr>
+          <p:cNvSpPr>
+            <a:spLocks noGrp="1" noRot="1" noChangeAspect="1" noMove="1" noResize="1" noEditPoints="1" noAdjustHandles="1" noChangeArrowheads="1" noChangeShapeType="1" noTextEdit="1"/>
+          </p:cNvSpPr>
+          <p:nvPr>
+            <p:extLst>
+              <p:ext uri="{386F3935-93C4-4BCD-93E2-E3B085C9AB24}">
+                <p16:designElem xmlns:p16="http://schemas.microsoft.com/office/powerpoint/2015/main" val="1"/>
+              </p:ext>
+            </p:extLst>
+          </p:nvPr>
+        </p:nvSpPr>
+        <p:spPr>
+          <a:xfrm flipH="1">
+            <a:off x="2" y="492"/>
+            <a:ext cx="12191998" cy="1575955"/>
+          </a:xfrm>
+          <a:prstGeom prst="rect">
+            <a:avLst/>
+          </a:prstGeom>
+          <a:gradFill>
+            <a:gsLst>
+              <a:gs pos="0">
+                <a:schemeClr val="accent1">
+                  <a:lumMod val="50000"/>
+                </a:schemeClr>
+              </a:gs>
+              <a:gs pos="100000">
+                <a:schemeClr val="accent1">
+                  <a:lumMod val="75000"/>
+                </a:schemeClr>
+              </a:gs>
+            </a:gsLst>
+            <a:lin ang="8400000" scaled="0"/>
+          </a:gradFill>
+          <a:ln>
+            <a:noFill/>
+          </a:ln>
+        </p:spPr>
+        <p:style>
+          <a:lnRef idx="2">
+            <a:schemeClr val="accent1">
+              <a:shade val="50000"/>
+            </a:schemeClr>
+          </a:lnRef>
+          <a:fillRef idx="1">
+            <a:schemeClr val="accent1"/>
+          </a:fillRef>
+          <a:effectRef idx="0">
+            <a:schemeClr val="accent1"/>
+          </a:effectRef>
+          <a:fontRef idx="minor">
+            <a:schemeClr val="lt1"/>
+          </a:fontRef>
+        </p:style>
+        <p:txBody>
+          <a:bodyPr rtlCol="0" anchor="ctr"/>
+          <a:lstStyle/>
+          <a:p>
+            <a:pPr algn="ctr"/>
+            <a:endParaRPr lang="en-US"/>
+          </a:p>
+        </p:txBody>
+      </p:sp>
+      <p:sp>
+        <p:nvSpPr>
+          <p:cNvPr id="18" name="Rectangle 17">
+            <a:extLst>
+              <a:ext uri="{FF2B5EF4-FFF2-40B4-BE49-F238E27FC236}">
+                <a16:creationId xmlns:a16="http://schemas.microsoft.com/office/drawing/2014/main" id="{0AD17EBB-0E79-038C-2938-560610B84D92}"/>
+              </a:ext>
+              <a:ext uri="{C183D7F6-B498-43B3-948B-1728B52AA6E4}">
+                <adec:decorative xmlns:adec="http://schemas.microsoft.com/office/drawing/2017/decorative" val="1"/>
+              </a:ext>
+            </a:extLst>
+          </p:cNvPr>
+          <p:cNvSpPr>
+            <a:spLocks noGrp="1" noRot="1" noChangeAspect="1" noMove="1" noResize="1" noEditPoints="1" noAdjustHandles="1" noChangeArrowheads="1" noChangeShapeType="1" noTextEdit="1"/>
+          </p:cNvSpPr>
+          <p:nvPr>
+            <p:extLst>
+              <p:ext uri="{386F3935-93C4-4BCD-93E2-E3B085C9AB24}">
+                <p16:designElem xmlns:p16="http://schemas.microsoft.com/office/powerpoint/2015/main" val="1"/>
+              </p:ext>
+            </p:extLst>
+          </p:nvPr>
+        </p:nvSpPr>
+        <p:spPr>
+          <a:xfrm rot="10800000" flipH="1">
+            <a:off x="8128857" y="35"/>
+            <a:ext cx="4063143" cy="1576412"/>
+          </a:xfrm>
+          <a:prstGeom prst="rect">
+            <a:avLst/>
+          </a:prstGeom>
+          <a:gradFill>
+            <a:gsLst>
+              <a:gs pos="19000">
+                <a:schemeClr val="accent1">
+                  <a:lumMod val="50000"/>
+                  <a:alpha val="68000"/>
+                </a:schemeClr>
+              </a:gs>
+              <a:gs pos="100000">
+                <a:schemeClr val="accent1">
+                  <a:alpha val="79000"/>
+                </a:schemeClr>
+              </a:gs>
+            </a:gsLst>
+            <a:lin ang="19200000" scaled="0"/>
+          </a:gradFill>
+          <a:ln>
+            <a:noFill/>
+          </a:ln>
+        </p:spPr>
+        <p:style>
+          <a:lnRef idx="2">
+            <a:schemeClr val="accent1">
+              <a:shade val="50000"/>
+            </a:schemeClr>
+          </a:lnRef>
+          <a:fillRef idx="1">
+            <a:schemeClr val="accent1"/>
+          </a:fillRef>
+          <a:effectRef idx="0">
+            <a:schemeClr val="accent1"/>
+          </a:effectRef>
+          <a:fontRef idx="minor">
+            <a:schemeClr val="lt1"/>
+          </a:fontRef>
+        </p:style>
+        <p:txBody>
+          <a:bodyPr rtlCol="0" anchor="ctr"/>
+          <a:lstStyle/>
+          <a:p>
+            <a:pPr algn="ctr"/>
+            <a:endParaRPr lang="en-US"/>
+          </a:p>
+        </p:txBody>
+      </p:sp>
+      <p:sp>
+        <p:nvSpPr>
+          <p:cNvPr id="20" name="Rectangle 19">
+            <a:extLst>
+              <a:ext uri="{FF2B5EF4-FFF2-40B4-BE49-F238E27FC236}">
+                <a16:creationId xmlns:a16="http://schemas.microsoft.com/office/drawing/2014/main" id="{EF2C6624-C40E-91BA-C118-25C4D04B972D}"/>
+              </a:ext>
+              <a:ext uri="{C183D7F6-B498-43B3-948B-1728B52AA6E4}">
+                <adec:decorative xmlns:adec="http://schemas.microsoft.com/office/drawing/2017/decorative" val="1"/>
+              </a:ext>
+            </a:extLst>
+          </p:cNvPr>
+          <p:cNvSpPr>
+            <a:spLocks noGrp="1" noRot="1" noChangeAspect="1" noMove="1" noResize="1" noEditPoints="1" noAdjustHandles="1" noChangeArrowheads="1" noChangeShapeType="1" noTextEdit="1"/>
+          </p:cNvSpPr>
+          <p:nvPr>
+            <p:extLst>
+              <p:ext uri="{386F3935-93C4-4BCD-93E2-E3B085C9AB24}">
+                <p16:designElem xmlns:p16="http://schemas.microsoft.com/office/powerpoint/2015/main" val="1"/>
+              </p:ext>
+            </p:extLst>
+          </p:nvPr>
+        </p:nvSpPr>
+        <p:spPr>
+          <a:xfrm rot="5400000">
+            <a:off x="5307778" y="-5307777"/>
+            <a:ext cx="1576446" cy="12192001"/>
+          </a:xfrm>
+          <a:prstGeom prst="rect">
+            <a:avLst/>
+          </a:prstGeom>
+          <a:gradFill>
+            <a:gsLst>
+              <a:gs pos="16000">
+                <a:srgbClr val="000000">
+                  <a:alpha val="0"/>
+                </a:srgbClr>
+              </a:gs>
+              <a:gs pos="99000">
+                <a:srgbClr val="000000">
+                  <a:alpha val="87000"/>
+                </a:srgbClr>
+              </a:gs>
+            </a:gsLst>
+            <a:lin ang="11400000" scaled="0"/>
+          </a:gradFill>
+          <a:ln>
+            <a:noFill/>
+          </a:ln>
+        </p:spPr>
+        <p:style>
+          <a:lnRef idx="2">
+            <a:schemeClr val="accent1">
+              <a:shade val="50000"/>
+            </a:schemeClr>
+          </a:lnRef>
+          <a:fillRef idx="1">
+            <a:schemeClr val="accent1"/>
+          </a:fillRef>
+          <a:effectRef idx="0">
+            <a:schemeClr val="accent1"/>
+          </a:effectRef>
+          <a:fontRef idx="minor">
+            <a:schemeClr val="lt1"/>
+          </a:fontRef>
+        </p:style>
+        <p:txBody>
+          <a:bodyPr rtlCol="0" anchor="ctr"/>
+          <a:lstStyle/>
+          <a:p>
+            <a:pPr algn="ctr"/>
+            <a:endParaRPr lang="en-US" dirty="0"/>
+          </a:p>
+        </p:txBody>
+      </p:sp>
+      <p:sp>
+        <p:nvSpPr>
+          <p:cNvPr id="22" name="Rectangle 21">
+            <a:extLst>
+              <a:ext uri="{FF2B5EF4-FFF2-40B4-BE49-F238E27FC236}">
+                <a16:creationId xmlns:a16="http://schemas.microsoft.com/office/drawing/2014/main" id="{BFA1F7B6-3445-3AF0-CF2D-E6D3C7095890}"/>
+              </a:ext>
+              <a:ext uri="{C183D7F6-B498-43B3-948B-1728B52AA6E4}">
+                <adec:decorative xmlns:adec="http://schemas.microsoft.com/office/drawing/2017/decorative" val="1"/>
+              </a:ext>
+            </a:extLst>
+          </p:cNvPr>
+          <p:cNvSpPr>
+            <a:spLocks noGrp="1" noRot="1" noChangeAspect="1" noMove="1" noResize="1" noEditPoints="1" noAdjustHandles="1" noChangeArrowheads="1" noChangeShapeType="1" noTextEdit="1"/>
+          </p:cNvSpPr>
+          <p:nvPr>
+            <p:extLst>
+              <p:ext uri="{386F3935-93C4-4BCD-93E2-E3B085C9AB24}">
+                <p16:designElem xmlns:p16="http://schemas.microsoft.com/office/powerpoint/2015/main" val="1"/>
+              </p:ext>
+            </p:extLst>
+          </p:nvPr>
+        </p:nvSpPr>
+        <p:spPr>
+          <a:xfrm>
+            <a:off x="3825434" y="986"/>
+            <a:ext cx="4303422" cy="1575461"/>
+          </a:xfrm>
+          <a:prstGeom prst="rect">
+            <a:avLst/>
+          </a:prstGeom>
+          <a:gradFill>
+            <a:gsLst>
+              <a:gs pos="0">
+                <a:schemeClr val="accent1">
+                  <a:alpha val="17000"/>
+                </a:schemeClr>
+              </a:gs>
+              <a:gs pos="74000">
+                <a:schemeClr val="accent1">
+                  <a:lumMod val="50000"/>
+                  <a:alpha val="0"/>
+                </a:schemeClr>
+              </a:gs>
+            </a:gsLst>
+            <a:lin ang="14400000" scaled="0"/>
+          </a:gradFill>
+          <a:ln>
+            <a:noFill/>
+          </a:ln>
+        </p:spPr>
+        <p:style>
+          <a:lnRef idx="2">
+            <a:schemeClr val="accent1">
+              <a:shade val="50000"/>
+            </a:schemeClr>
+          </a:lnRef>
+          <a:fillRef idx="1">
+            <a:schemeClr val="accent1"/>
+          </a:fillRef>
+          <a:effectRef idx="0">
+            <a:schemeClr val="accent1"/>
+          </a:effectRef>
+          <a:fontRef idx="minor">
+            <a:schemeClr val="lt1"/>
+          </a:fontRef>
+        </p:style>
+        <p:txBody>
+          <a:bodyPr rtlCol="0" anchor="ctr"/>
+          <a:lstStyle/>
+          <a:p>
+            <a:pPr algn="ctr"/>
+            <a:endParaRPr lang="en-US"/>
+          </a:p>
+        </p:txBody>
+      </p:sp>
+      <p:sp>
+        <p:nvSpPr>
+          <p:cNvPr id="2" name="Title 1">
+            <a:extLst>
+              <a:ext uri="{FF2B5EF4-FFF2-40B4-BE49-F238E27FC236}">
+                <a16:creationId xmlns:a16="http://schemas.microsoft.com/office/drawing/2014/main" id="{87BF200F-F813-A6B4-3A5A-E83108269206}"/>
+              </a:ext>
+            </a:extLst>
+          </p:cNvPr>
+          <p:cNvSpPr>
+            <a:spLocks noGrp="1"/>
+          </p:cNvSpPr>
+          <p:nvPr>
+            <p:ph type="title"/>
+          </p:nvPr>
+        </p:nvSpPr>
+        <p:spPr>
+          <a:xfrm>
+            <a:off x="699714" y="353160"/>
+            <a:ext cx="7091300" cy="898581"/>
+          </a:xfrm>
+        </p:spPr>
+        <p:txBody>
+          <a:bodyPr vert="horz" lIns="91440" tIns="45720" rIns="91440" bIns="45720" rtlCol="0" anchor="ctr">
+            <a:normAutofit/>
+          </a:bodyPr>
+          <a:lstStyle/>
+          <a:p>
+            <a:r>
+              <a:rPr lang="en-US" sz="4000" dirty="0">
+                <a:solidFill>
+                  <a:srgbClr val="FFFFFF"/>
+                </a:solidFill>
+              </a:rPr>
+              <a:t>Industrial Semi-Batch Lab. Scale</a:t>
+            </a:r>
+          </a:p>
+        </p:txBody>
+      </p:sp>
+      <p:sp>
+        <p:nvSpPr>
+          <p:cNvPr id="13" name="TextBox 12">
+            <a:extLst>
+              <a:ext uri="{FF2B5EF4-FFF2-40B4-BE49-F238E27FC236}">
+                <a16:creationId xmlns:a16="http://schemas.microsoft.com/office/drawing/2014/main" id="{028362C1-F544-3447-688C-B2A4D7A7AE62}"/>
+              </a:ext>
+            </a:extLst>
+          </p:cNvPr>
+          <p:cNvSpPr txBox="1"/>
+          <p:nvPr/>
+        </p:nvSpPr>
+        <p:spPr>
+          <a:xfrm>
+            <a:off x="10194658" y="6189099"/>
+            <a:ext cx="2798836" cy="261610"/>
+          </a:xfrm>
+          <a:prstGeom prst="rect">
+            <a:avLst/>
+          </a:prstGeom>
+          <a:noFill/>
+        </p:spPr>
+        <p:txBody>
+          <a:bodyPr wrap="square">
+            <a:spAutoFit/>
+          </a:bodyPr>
+          <a:lstStyle/>
+          <a:p>
+            <a:r>
+              <a:rPr lang="en-US" sz="1050" dirty="0" err="1"/>
+              <a:t>t_switch</a:t>
+            </a:r>
+            <a:r>
+              <a:rPr lang="en-US" sz="1050" dirty="0"/>
+              <a:t> = 3000 s</a:t>
+            </a:r>
+          </a:p>
+        </p:txBody>
+      </p:sp>
+      <p:pic>
+        <p:nvPicPr>
+          <p:cNvPr id="1025" name="Picture 1">
+            <a:extLst>
+              <a:ext uri="{FF2B5EF4-FFF2-40B4-BE49-F238E27FC236}">
+                <a16:creationId xmlns:a16="http://schemas.microsoft.com/office/drawing/2014/main" id="{7493F3DB-429E-CBE2-7074-C4442D9DE36D}"/>
+              </a:ext>
+            </a:extLst>
+          </p:cNvPr>
+          <p:cNvPicPr>
+            <a:picLocks noChangeAspect="1" noChangeArrowheads="1"/>
+          </p:cNvPicPr>
+          <p:nvPr/>
+        </p:nvPicPr>
+        <p:blipFill>
+          <a:blip r:embed="rId3">
+            <a:extLst>
+              <a:ext uri="{28A0092B-C50C-407E-A947-70E740481C1C}">
+                <a14:useLocalDpi xmlns:a14="http://schemas.microsoft.com/office/drawing/2010/main" val="0"/>
+              </a:ext>
+            </a:extLst>
+          </a:blip>
+          <a:srcRect/>
+          <a:stretch>
+            <a:fillRect/>
+          </a:stretch>
+        </p:blipFill>
+        <p:spPr bwMode="auto">
+          <a:xfrm>
+            <a:off x="699714" y="2037233"/>
+            <a:ext cx="4877325" cy="3657994"/>
+          </a:xfrm>
+          <a:prstGeom prst="rect">
+            <a:avLst/>
+          </a:prstGeom>
+          <a:noFill/>
+          <a:extLst>
+            <a:ext uri="{909E8E84-426E-40DD-AFC4-6F175D3DCCD1}">
+              <a14:hiddenFill xmlns:a14="http://schemas.microsoft.com/office/drawing/2010/main">
+                <a:solidFill>
+                  <a:srgbClr val="FFFFFF"/>
+                </a:solidFill>
+              </a14:hiddenFill>
+            </a:ext>
+          </a:extLst>
+        </p:spPr>
+      </p:pic>
+      <p:pic>
+        <p:nvPicPr>
+          <p:cNvPr id="1026" name="Picture 2">
+            <a:extLst>
+              <a:ext uri="{FF2B5EF4-FFF2-40B4-BE49-F238E27FC236}">
+                <a16:creationId xmlns:a16="http://schemas.microsoft.com/office/drawing/2014/main" id="{1670DC4B-C9BA-25AA-CE77-9EF5E47786CF}"/>
+              </a:ext>
+            </a:extLst>
+          </p:cNvPr>
+          <p:cNvPicPr>
+            <a:picLocks noChangeAspect="1" noChangeArrowheads="1"/>
+          </p:cNvPicPr>
+          <p:nvPr/>
+        </p:nvPicPr>
+        <p:blipFill>
+          <a:blip r:embed="rId4">
+            <a:extLst>
+              <a:ext uri="{28A0092B-C50C-407E-A947-70E740481C1C}">
+                <a14:useLocalDpi xmlns:a14="http://schemas.microsoft.com/office/drawing/2010/main" val="0"/>
+              </a:ext>
+            </a:extLst>
+          </a:blip>
+          <a:srcRect/>
+          <a:stretch>
+            <a:fillRect/>
+          </a:stretch>
+        </p:blipFill>
+        <p:spPr bwMode="auto">
+          <a:xfrm>
+            <a:off x="6345166" y="2031221"/>
+            <a:ext cx="4877325" cy="3657994"/>
+          </a:xfrm>
+          <a:prstGeom prst="rect">
+            <a:avLst/>
+          </a:prstGeom>
+          <a:noFill/>
+          <a:extLst>
+            <a:ext uri="{909E8E84-426E-40DD-AFC4-6F175D3DCCD1}">
+              <a14:hiddenFill xmlns:a14="http://schemas.microsoft.com/office/drawing/2010/main">
+                <a:solidFill>
+                  <a:srgbClr val="FFFFFF"/>
+                </a:solidFill>
+              </a14:hiddenFill>
+            </a:ext>
+          </a:extLst>
+        </p:spPr>
+      </p:pic>
+      <p:sp>
+        <p:nvSpPr>
+          <p:cNvPr id="4" name="TextBox 3">
+            <a:extLst>
+              <a:ext uri="{FF2B5EF4-FFF2-40B4-BE49-F238E27FC236}">
+                <a16:creationId xmlns:a16="http://schemas.microsoft.com/office/drawing/2014/main" id="{CE41CE8A-DEDC-16A2-344F-621B67832926}"/>
+              </a:ext>
+            </a:extLst>
+          </p:cNvPr>
+          <p:cNvSpPr txBox="1"/>
+          <p:nvPr/>
+        </p:nvSpPr>
+        <p:spPr>
+          <a:xfrm>
+            <a:off x="5098492" y="5808936"/>
+            <a:ext cx="6495584" cy="923330"/>
+          </a:xfrm>
+          <a:prstGeom prst="rect">
+            <a:avLst/>
+          </a:prstGeom>
+          <a:noFill/>
+        </p:spPr>
+        <p:txBody>
+          <a:bodyPr wrap="square">
+            <a:spAutoFit/>
+          </a:bodyPr>
+          <a:lstStyle/>
+          <a:p>
+            <a:r>
+              <a:rPr lang="en-US" b="0" i="0" dirty="0">
+                <a:solidFill>
+                  <a:srgbClr val="212121"/>
+                </a:solidFill>
+                <a:effectLst/>
+                <a:latin typeface="Menlo"/>
+              </a:rPr>
+              <a:t>Conversion: 61.065092 % </a:t>
+            </a:r>
+          </a:p>
+          <a:p>
+            <a:r>
+              <a:rPr lang="en-US" b="0" i="0" dirty="0">
+                <a:solidFill>
+                  <a:srgbClr val="212121"/>
+                </a:solidFill>
+                <a:effectLst/>
+                <a:latin typeface="Menlo"/>
+              </a:rPr>
+              <a:t>Selectivity: 85.985832 % </a:t>
+            </a:r>
+          </a:p>
+          <a:p>
+            <a:r>
+              <a:rPr lang="en-US" b="0" i="0" dirty="0">
+                <a:solidFill>
+                  <a:srgbClr val="212121"/>
+                </a:solidFill>
+                <a:effectLst/>
+                <a:latin typeface="Menlo"/>
+              </a:rPr>
+              <a:t>Yield: 52.507328 % </a:t>
+            </a:r>
+          </a:p>
+        </p:txBody>
+      </p:sp>
+      <p:sp>
+        <p:nvSpPr>
+          <p:cNvPr id="9" name="TextBox 8">
+            <a:extLst>
+              <a:ext uri="{FF2B5EF4-FFF2-40B4-BE49-F238E27FC236}">
+                <a16:creationId xmlns:a16="http://schemas.microsoft.com/office/drawing/2014/main" id="{DBB87284-5BB6-7A87-95D9-B5FDE2C7C8A7}"/>
+              </a:ext>
+            </a:extLst>
+          </p:cNvPr>
+          <p:cNvSpPr txBox="1"/>
+          <p:nvPr/>
+        </p:nvSpPr>
+        <p:spPr>
+          <a:xfrm>
+            <a:off x="597924" y="5638893"/>
+            <a:ext cx="3770507" cy="1200329"/>
+          </a:xfrm>
+          <a:prstGeom prst="rect">
+            <a:avLst/>
+          </a:prstGeom>
+          <a:noFill/>
+        </p:spPr>
+        <p:txBody>
+          <a:bodyPr wrap="square">
+            <a:spAutoFit/>
+          </a:bodyPr>
+          <a:lstStyle/>
+          <a:p>
+            <a:r>
+              <a:rPr lang="it-IT" b="0" i="0" u="none" strike="noStrike" dirty="0">
+                <a:solidFill>
+                  <a:srgbClr val="027880"/>
+                </a:solidFill>
+                <a:effectLst/>
+                <a:latin typeface="Menlo"/>
+              </a:rPr>
+              <a:t>E1</a:t>
+            </a:r>
+            <a:r>
+              <a:rPr lang="it-IT" b="0" i="0" dirty="0">
+                <a:solidFill>
+                  <a:srgbClr val="212121"/>
+                </a:solidFill>
+                <a:effectLst/>
+                <a:latin typeface="Menlo"/>
+              </a:rPr>
+              <a:t>=20e3; </a:t>
+            </a:r>
+            <a:r>
+              <a:rPr lang="it-IT" b="0" i="0" u="none" strike="noStrike" dirty="0">
+                <a:solidFill>
+                  <a:srgbClr val="008013"/>
+                </a:solidFill>
+                <a:effectLst/>
+                <a:latin typeface="Menlo"/>
+              </a:rPr>
+              <a:t>%J/mol</a:t>
+            </a:r>
+            <a:endParaRPr lang="it-IT" b="0" i="0" dirty="0">
+              <a:solidFill>
+                <a:srgbClr val="212121"/>
+              </a:solidFill>
+              <a:effectLst/>
+              <a:latin typeface="Menlo"/>
+            </a:endParaRPr>
+          </a:p>
+          <a:p>
+            <a:r>
+              <a:rPr lang="it-IT" b="0" i="0" u="none" strike="noStrike" dirty="0">
+                <a:solidFill>
+                  <a:srgbClr val="027880"/>
+                </a:solidFill>
+                <a:effectLst/>
+                <a:latin typeface="Menlo"/>
+              </a:rPr>
+              <a:t>E2</a:t>
+            </a:r>
+            <a:r>
+              <a:rPr lang="it-IT" b="0" i="0" dirty="0">
+                <a:solidFill>
+                  <a:srgbClr val="212121"/>
+                </a:solidFill>
+                <a:effectLst/>
+                <a:latin typeface="Menlo"/>
+              </a:rPr>
+              <a:t>=100e3; </a:t>
+            </a:r>
+            <a:r>
+              <a:rPr lang="it-IT" b="0" i="0" u="none" strike="noStrike" dirty="0">
+                <a:solidFill>
+                  <a:srgbClr val="008013"/>
+                </a:solidFill>
+                <a:effectLst/>
+                <a:latin typeface="Menlo"/>
+              </a:rPr>
+              <a:t>%J/mol</a:t>
+            </a:r>
+            <a:endParaRPr lang="it-IT" b="0" i="0" dirty="0">
+              <a:solidFill>
+                <a:srgbClr val="212121"/>
+              </a:solidFill>
+              <a:effectLst/>
+              <a:latin typeface="Menlo"/>
+            </a:endParaRPr>
+          </a:p>
+          <a:p>
+            <a:r>
+              <a:rPr lang="it-IT" b="0" i="0" u="none" strike="noStrike" dirty="0">
+                <a:solidFill>
+                  <a:srgbClr val="027880"/>
+                </a:solidFill>
+                <a:effectLst/>
+                <a:latin typeface="Menlo"/>
+              </a:rPr>
+              <a:t>deltaH1</a:t>
+            </a:r>
+            <a:r>
+              <a:rPr lang="it-IT" b="0" i="0" dirty="0">
+                <a:solidFill>
+                  <a:srgbClr val="212121"/>
+                </a:solidFill>
+                <a:effectLst/>
+                <a:latin typeface="Menlo"/>
+              </a:rPr>
+              <a:t> = -300e3; </a:t>
+            </a:r>
+            <a:r>
+              <a:rPr lang="it-IT" b="0" i="0" u="none" strike="noStrike" dirty="0">
+                <a:solidFill>
+                  <a:srgbClr val="008013"/>
+                </a:solidFill>
+                <a:effectLst/>
+                <a:latin typeface="Menlo"/>
+              </a:rPr>
+              <a:t>%J/mol</a:t>
+            </a:r>
+            <a:endParaRPr lang="it-IT" b="0" i="0" dirty="0">
+              <a:solidFill>
+                <a:srgbClr val="212121"/>
+              </a:solidFill>
+              <a:effectLst/>
+              <a:latin typeface="Menlo"/>
+            </a:endParaRPr>
+          </a:p>
+          <a:p>
+            <a:r>
+              <a:rPr lang="it-IT" b="0" i="0" u="none" strike="noStrike" dirty="0">
+                <a:solidFill>
+                  <a:srgbClr val="027880"/>
+                </a:solidFill>
+                <a:effectLst/>
+                <a:latin typeface="Menlo"/>
+              </a:rPr>
+              <a:t>deltaH2</a:t>
+            </a:r>
+            <a:r>
+              <a:rPr lang="it-IT" b="0" i="0" dirty="0">
+                <a:solidFill>
+                  <a:srgbClr val="212121"/>
+                </a:solidFill>
+                <a:effectLst/>
+                <a:latin typeface="Menlo"/>
+              </a:rPr>
+              <a:t> = -250e3; </a:t>
+            </a:r>
+          </a:p>
+        </p:txBody>
+      </p:sp>
+    </p:spTree>
+    <p:extLst>
+      <p:ext uri="{BB962C8B-B14F-4D97-AF65-F5344CB8AC3E}">
+        <p14:creationId xmlns:p14="http://schemas.microsoft.com/office/powerpoint/2010/main" val="1379008518"/>
       </p:ext>
     </p:extLst>
   </p:cSld>
